--- a/Study Notes/Excel VBA/Excel VBA Notes.pptx
+++ b/Study Notes/Excel VBA/Excel VBA Notes.pptx
@@ -121,6 +121,9 @@
           </p14:sldIdLst>
         </p14:section>
       </p14:sectionLst>
+    </p:ext>
+    <p:ext uri="{EFAFB233-063F-42B5-8137-9DF3F51BA10A}">
+      <p15:sldGuideLst xmlns:p15="http://schemas.microsoft.com/office/powerpoint/2012/main"/>
     </p:ext>
   </p:extLst>
 </p:presentation>
@@ -273,7 +276,7 @@
           <a:p>
             <a:fld id="{B7B6DF83-BAA4-4A70-AD29-9879A8F2D82D}" type="datetimeFigureOut">
               <a:rPr lang="zh-CN" altLang="en-US" smtClean="0"/>
-              <a:t>2018/12/25 Tuesday</a:t>
+              <a:t>2020/1/10 Friday</a:t>
             </a:fld>
             <a:endParaRPr lang="zh-CN" altLang="en-US"/>
           </a:p>
@@ -471,7 +474,7 @@
           <a:p>
             <a:fld id="{B7B6DF83-BAA4-4A70-AD29-9879A8F2D82D}" type="datetimeFigureOut">
               <a:rPr lang="zh-CN" altLang="en-US" smtClean="0"/>
-              <a:t>2018/12/25 Tuesday</a:t>
+              <a:t>2020/1/10 Friday</a:t>
             </a:fld>
             <a:endParaRPr lang="zh-CN" altLang="en-US"/>
           </a:p>
@@ -679,7 +682,7 @@
           <a:p>
             <a:fld id="{B7B6DF83-BAA4-4A70-AD29-9879A8F2D82D}" type="datetimeFigureOut">
               <a:rPr lang="zh-CN" altLang="en-US" smtClean="0"/>
-              <a:t>2018/12/25 Tuesday</a:t>
+              <a:t>2020/1/10 Friday</a:t>
             </a:fld>
             <a:endParaRPr lang="zh-CN" altLang="en-US"/>
           </a:p>
@@ -877,7 +880,7 @@
           <a:p>
             <a:fld id="{B7B6DF83-BAA4-4A70-AD29-9879A8F2D82D}" type="datetimeFigureOut">
               <a:rPr lang="zh-CN" altLang="en-US" smtClean="0"/>
-              <a:t>2018/12/25 Tuesday</a:t>
+              <a:t>2020/1/10 Friday</a:t>
             </a:fld>
             <a:endParaRPr lang="zh-CN" altLang="en-US"/>
           </a:p>
@@ -1152,7 +1155,7 @@
           <a:p>
             <a:fld id="{B7B6DF83-BAA4-4A70-AD29-9879A8F2D82D}" type="datetimeFigureOut">
               <a:rPr lang="zh-CN" altLang="en-US" smtClean="0"/>
-              <a:t>2018/12/25 Tuesday</a:t>
+              <a:t>2020/1/10 Friday</a:t>
             </a:fld>
             <a:endParaRPr lang="zh-CN" altLang="en-US"/>
           </a:p>
@@ -1417,7 +1420,7 @@
           <a:p>
             <a:fld id="{B7B6DF83-BAA4-4A70-AD29-9879A8F2D82D}" type="datetimeFigureOut">
               <a:rPr lang="zh-CN" altLang="en-US" smtClean="0"/>
-              <a:t>2018/12/25 Tuesday</a:t>
+              <a:t>2020/1/10 Friday</a:t>
             </a:fld>
             <a:endParaRPr lang="zh-CN" altLang="en-US"/>
           </a:p>
@@ -1829,7 +1832,7 @@
           <a:p>
             <a:fld id="{B7B6DF83-BAA4-4A70-AD29-9879A8F2D82D}" type="datetimeFigureOut">
               <a:rPr lang="zh-CN" altLang="en-US" smtClean="0"/>
-              <a:t>2018/12/25 Tuesday</a:t>
+              <a:t>2020/1/10 Friday</a:t>
             </a:fld>
             <a:endParaRPr lang="zh-CN" altLang="en-US"/>
           </a:p>
@@ -1970,7 +1973,7 @@
           <a:p>
             <a:fld id="{B7B6DF83-BAA4-4A70-AD29-9879A8F2D82D}" type="datetimeFigureOut">
               <a:rPr lang="zh-CN" altLang="en-US" smtClean="0"/>
-              <a:t>2018/12/25 Tuesday</a:t>
+              <a:t>2020/1/10 Friday</a:t>
             </a:fld>
             <a:endParaRPr lang="zh-CN" altLang="en-US"/>
           </a:p>
@@ -2083,7 +2086,7 @@
           <a:p>
             <a:fld id="{B7B6DF83-BAA4-4A70-AD29-9879A8F2D82D}" type="datetimeFigureOut">
               <a:rPr lang="zh-CN" altLang="en-US" smtClean="0"/>
-              <a:t>2018/12/25 Tuesday</a:t>
+              <a:t>2020/1/10 Friday</a:t>
             </a:fld>
             <a:endParaRPr lang="zh-CN" altLang="en-US"/>
           </a:p>
@@ -2394,7 +2397,7 @@
           <a:p>
             <a:fld id="{B7B6DF83-BAA4-4A70-AD29-9879A8F2D82D}" type="datetimeFigureOut">
               <a:rPr lang="zh-CN" altLang="en-US" smtClean="0"/>
-              <a:t>2018/12/25 Tuesday</a:t>
+              <a:t>2020/1/10 Friday</a:t>
             </a:fld>
             <a:endParaRPr lang="zh-CN" altLang="en-US"/>
           </a:p>
@@ -2682,7 +2685,7 @@
           <a:p>
             <a:fld id="{B7B6DF83-BAA4-4A70-AD29-9879A8F2D82D}" type="datetimeFigureOut">
               <a:rPr lang="zh-CN" altLang="en-US" smtClean="0"/>
-              <a:t>2018/12/25 Tuesday</a:t>
+              <a:t>2020/1/10 Friday</a:t>
             </a:fld>
             <a:endParaRPr lang="zh-CN" altLang="en-US"/>
           </a:p>
@@ -2923,7 +2926,7 @@
           <a:p>
             <a:fld id="{B7B6DF83-BAA4-4A70-AD29-9879A8F2D82D}" type="datetimeFigureOut">
               <a:rPr lang="zh-CN" altLang="en-US" smtClean="0"/>
-              <a:t>2018/12/25 Tuesday</a:t>
+              <a:t>2020/1/10 Friday</a:t>
             </a:fld>
             <a:endParaRPr lang="zh-CN" altLang="en-US"/>
           </a:p>
@@ -27306,7 +27309,7 @@
         </p:nvSpPr>
         <p:spPr>
           <a:xfrm>
-            <a:off x="461819" y="1600273"/>
+            <a:off x="461819" y="1743396"/>
             <a:ext cx="5043054" cy="3693319"/>
           </a:xfrm>
           <a:prstGeom prst="rect">
@@ -27556,8 +27559,8 @@
         </p:nvSpPr>
         <p:spPr>
           <a:xfrm>
-            <a:off x="430511" y="1265385"/>
-            <a:ext cx="2857636" cy="447041"/>
+            <a:off x="88606" y="1598197"/>
+            <a:ext cx="1398288" cy="524530"/>
           </a:xfrm>
           <a:prstGeom prst="roundRect">
             <a:avLst/>
@@ -27586,6 +27589,7 @@
           <a:bodyPr rtlCol="0" anchor="ctr"/>
           <a:lstStyle/>
           <a:p>
+            <a:pPr algn="ctr"/>
             <a:r>
               <a:rPr lang="en-US" altLang="zh-CN" dirty="0"/>
               <a:t>Application Object</a:t>
@@ -27608,8 +27612,8 @@
         </p:nvSpPr>
         <p:spPr>
           <a:xfrm>
-            <a:off x="430511" y="1822545"/>
-            <a:ext cx="2857636" cy="447041"/>
+            <a:off x="1893551" y="1596009"/>
+            <a:ext cx="1399804" cy="541630"/>
           </a:xfrm>
           <a:prstGeom prst="roundRect">
             <a:avLst/>
@@ -27638,425 +27642,10 @@
           <a:bodyPr rtlCol="0" anchor="ctr"/>
           <a:lstStyle/>
           <a:p>
+            <a:pPr algn="ctr"/>
             <a:r>
               <a:rPr lang="en-US" altLang="zh-CN" dirty="0"/>
               <a:t>Workbook Object</a:t>
-            </a:r>
-            <a:endParaRPr lang="zh-CN" altLang="en-US" dirty="0"/>
-          </a:p>
-        </p:txBody>
-      </p:sp>
-      <p:sp>
-        <p:nvSpPr>
-          <p:cNvPr id="22" name="矩形: 圆角 21">
-            <a:extLst>
-              <a:ext uri="{FF2B5EF4-FFF2-40B4-BE49-F238E27FC236}">
-                <a16:creationId xmlns:a16="http://schemas.microsoft.com/office/drawing/2014/main" id="{FE9E07A6-2E4B-4F10-B7E2-08EC9911C8F0}"/>
-              </a:ext>
-            </a:extLst>
-          </p:cNvPr>
-          <p:cNvSpPr/>
-          <p:nvPr/>
-        </p:nvSpPr>
-        <p:spPr>
-          <a:xfrm>
-            <a:off x="430511" y="2379705"/>
-            <a:ext cx="2857636" cy="447041"/>
-          </a:xfrm>
-          <a:prstGeom prst="roundRect">
-            <a:avLst/>
-          </a:prstGeom>
-          <a:solidFill>
-            <a:schemeClr val="accent3"/>
-          </a:solidFill>
-        </p:spPr>
-        <p:style>
-          <a:lnRef idx="2">
-            <a:schemeClr val="accent1">
-              <a:shade val="50000"/>
-            </a:schemeClr>
-          </a:lnRef>
-          <a:fillRef idx="1">
-            <a:schemeClr val="accent1"/>
-          </a:fillRef>
-          <a:effectRef idx="0">
-            <a:schemeClr val="accent1"/>
-          </a:effectRef>
-          <a:fontRef idx="minor">
-            <a:schemeClr val="lt1"/>
-          </a:fontRef>
-        </p:style>
-        <p:txBody>
-          <a:bodyPr rtlCol="0" anchor="ctr"/>
-          <a:lstStyle/>
-          <a:p>
-            <a:r>
-              <a:rPr lang="en-US" altLang="zh-CN" dirty="0"/>
-              <a:t>Worksheet Object</a:t>
-            </a:r>
-            <a:endParaRPr lang="zh-CN" altLang="en-US" dirty="0"/>
-          </a:p>
-        </p:txBody>
-      </p:sp>
-      <p:sp>
-        <p:nvSpPr>
-          <p:cNvPr id="23" name="矩形: 圆角 22">
-            <a:extLst>
-              <a:ext uri="{FF2B5EF4-FFF2-40B4-BE49-F238E27FC236}">
-                <a16:creationId xmlns:a16="http://schemas.microsoft.com/office/drawing/2014/main" id="{AD17CA81-2384-497C-B0F7-1786254C8543}"/>
-              </a:ext>
-            </a:extLst>
-          </p:cNvPr>
-          <p:cNvSpPr/>
-          <p:nvPr/>
-        </p:nvSpPr>
-        <p:spPr>
-          <a:xfrm>
-            <a:off x="430511" y="2936865"/>
-            <a:ext cx="2857636" cy="447041"/>
-          </a:xfrm>
-          <a:prstGeom prst="roundRect">
-            <a:avLst/>
-          </a:prstGeom>
-          <a:solidFill>
-            <a:schemeClr val="accent3"/>
-          </a:solidFill>
-        </p:spPr>
-        <p:style>
-          <a:lnRef idx="2">
-            <a:schemeClr val="accent1">
-              <a:shade val="50000"/>
-            </a:schemeClr>
-          </a:lnRef>
-          <a:fillRef idx="1">
-            <a:schemeClr val="accent1"/>
-          </a:fillRef>
-          <a:effectRef idx="0">
-            <a:schemeClr val="accent1"/>
-          </a:effectRef>
-          <a:fontRef idx="minor">
-            <a:schemeClr val="lt1"/>
-          </a:fontRef>
-        </p:style>
-        <p:txBody>
-          <a:bodyPr rtlCol="0" anchor="ctr"/>
-          <a:lstStyle/>
-          <a:p>
-            <a:r>
-              <a:rPr lang="en-US" altLang="zh-CN" dirty="0"/>
-              <a:t>Window Object</a:t>
-            </a:r>
-            <a:endParaRPr lang="zh-CN" altLang="en-US" dirty="0"/>
-          </a:p>
-        </p:txBody>
-      </p:sp>
-      <p:sp>
-        <p:nvSpPr>
-          <p:cNvPr id="24" name="矩形: 圆角 23">
-            <a:extLst>
-              <a:ext uri="{FF2B5EF4-FFF2-40B4-BE49-F238E27FC236}">
-                <a16:creationId xmlns:a16="http://schemas.microsoft.com/office/drawing/2014/main" id="{82F5535C-BF0C-404C-8C16-1BE78CDED9D5}"/>
-              </a:ext>
-            </a:extLst>
-          </p:cNvPr>
-          <p:cNvSpPr/>
-          <p:nvPr/>
-        </p:nvSpPr>
-        <p:spPr>
-          <a:xfrm>
-            <a:off x="430510" y="3494025"/>
-            <a:ext cx="2857636" cy="447041"/>
-          </a:xfrm>
-          <a:prstGeom prst="roundRect">
-            <a:avLst/>
-          </a:prstGeom>
-          <a:solidFill>
-            <a:schemeClr val="accent3"/>
-          </a:solidFill>
-        </p:spPr>
-        <p:style>
-          <a:lnRef idx="2">
-            <a:schemeClr val="accent1">
-              <a:shade val="50000"/>
-            </a:schemeClr>
-          </a:lnRef>
-          <a:fillRef idx="1">
-            <a:schemeClr val="accent1"/>
-          </a:fillRef>
-          <a:effectRef idx="0">
-            <a:schemeClr val="accent1"/>
-          </a:effectRef>
-          <a:fontRef idx="minor">
-            <a:schemeClr val="lt1"/>
-          </a:fontRef>
-        </p:style>
-        <p:txBody>
-          <a:bodyPr rtlCol="0" anchor="ctr"/>
-          <a:lstStyle/>
-          <a:p>
-            <a:r>
-              <a:rPr lang="en-US" altLang="zh-CN" dirty="0"/>
-              <a:t>Range Object</a:t>
-            </a:r>
-            <a:endParaRPr lang="zh-CN" altLang="en-US" dirty="0"/>
-          </a:p>
-        </p:txBody>
-      </p:sp>
-      <p:sp>
-        <p:nvSpPr>
-          <p:cNvPr id="25" name="矩形: 圆角 24">
-            <a:extLst>
-              <a:ext uri="{FF2B5EF4-FFF2-40B4-BE49-F238E27FC236}">
-                <a16:creationId xmlns:a16="http://schemas.microsoft.com/office/drawing/2014/main" id="{C3BD8CAF-DD41-45F5-86BE-41AA85625C5C}"/>
-              </a:ext>
-            </a:extLst>
-          </p:cNvPr>
-          <p:cNvSpPr/>
-          <p:nvPr/>
-        </p:nvSpPr>
-        <p:spPr>
-          <a:xfrm>
-            <a:off x="430507" y="6279821"/>
-            <a:ext cx="2857636" cy="447041"/>
-          </a:xfrm>
-          <a:prstGeom prst="roundRect">
-            <a:avLst/>
-          </a:prstGeom>
-          <a:solidFill>
-            <a:schemeClr val="accent3"/>
-          </a:solidFill>
-        </p:spPr>
-        <p:style>
-          <a:lnRef idx="2">
-            <a:schemeClr val="accent1">
-              <a:shade val="50000"/>
-            </a:schemeClr>
-          </a:lnRef>
-          <a:fillRef idx="1">
-            <a:schemeClr val="accent1"/>
-          </a:fillRef>
-          <a:effectRef idx="0">
-            <a:schemeClr val="accent1"/>
-          </a:effectRef>
-          <a:fontRef idx="minor">
-            <a:schemeClr val="lt1"/>
-          </a:fontRef>
-        </p:style>
-        <p:txBody>
-          <a:bodyPr rtlCol="0" anchor="ctr"/>
-          <a:lstStyle/>
-          <a:p>
-            <a:r>
-              <a:rPr lang="en-US" altLang="zh-CN" dirty="0"/>
-              <a:t>Shape Object</a:t>
-            </a:r>
-            <a:endParaRPr lang="zh-CN" altLang="en-US" dirty="0"/>
-          </a:p>
-        </p:txBody>
-      </p:sp>
-      <p:sp>
-        <p:nvSpPr>
-          <p:cNvPr id="26" name="矩形: 圆角 25">
-            <a:extLst>
-              <a:ext uri="{FF2B5EF4-FFF2-40B4-BE49-F238E27FC236}">
-                <a16:creationId xmlns:a16="http://schemas.microsoft.com/office/drawing/2014/main" id="{271AFFEA-D7F2-4757-87B4-DE53700EA293}"/>
-              </a:ext>
-            </a:extLst>
-          </p:cNvPr>
-          <p:cNvSpPr/>
-          <p:nvPr/>
-        </p:nvSpPr>
-        <p:spPr>
-          <a:xfrm>
-            <a:off x="430509" y="4051185"/>
-            <a:ext cx="2857636" cy="447041"/>
-          </a:xfrm>
-          <a:prstGeom prst="roundRect">
-            <a:avLst/>
-          </a:prstGeom>
-          <a:solidFill>
-            <a:schemeClr val="accent3"/>
-          </a:solidFill>
-        </p:spPr>
-        <p:style>
-          <a:lnRef idx="2">
-            <a:schemeClr val="accent1">
-              <a:shade val="50000"/>
-            </a:schemeClr>
-          </a:lnRef>
-          <a:fillRef idx="1">
-            <a:schemeClr val="accent1"/>
-          </a:fillRef>
-          <a:effectRef idx="0">
-            <a:schemeClr val="accent1"/>
-          </a:effectRef>
-          <a:fontRef idx="minor">
-            <a:schemeClr val="lt1"/>
-          </a:fontRef>
-        </p:style>
-        <p:txBody>
-          <a:bodyPr rtlCol="0" anchor="ctr"/>
-          <a:lstStyle/>
-          <a:p>
-            <a:r>
-              <a:rPr lang="en-US" altLang="zh-CN" dirty="0"/>
-              <a:t>Comment Object</a:t>
-            </a:r>
-            <a:endParaRPr lang="zh-CN" altLang="en-US" dirty="0"/>
-          </a:p>
-        </p:txBody>
-      </p:sp>
-      <p:sp>
-        <p:nvSpPr>
-          <p:cNvPr id="27" name="矩形: 圆角 26">
-            <a:extLst>
-              <a:ext uri="{FF2B5EF4-FFF2-40B4-BE49-F238E27FC236}">
-                <a16:creationId xmlns:a16="http://schemas.microsoft.com/office/drawing/2014/main" id="{624E1770-E352-4DAE-974E-B0B218875057}"/>
-              </a:ext>
-            </a:extLst>
-          </p:cNvPr>
-          <p:cNvSpPr/>
-          <p:nvPr/>
-        </p:nvSpPr>
-        <p:spPr>
-          <a:xfrm>
-            <a:off x="430510" y="4608345"/>
-            <a:ext cx="2857636" cy="447041"/>
-          </a:xfrm>
-          <a:prstGeom prst="roundRect">
-            <a:avLst/>
-          </a:prstGeom>
-          <a:solidFill>
-            <a:schemeClr val="accent3"/>
-          </a:solidFill>
-        </p:spPr>
-        <p:style>
-          <a:lnRef idx="2">
-            <a:schemeClr val="accent1">
-              <a:shade val="50000"/>
-            </a:schemeClr>
-          </a:lnRef>
-          <a:fillRef idx="1">
-            <a:schemeClr val="accent1"/>
-          </a:fillRef>
-          <a:effectRef idx="0">
-            <a:schemeClr val="accent1"/>
-          </a:effectRef>
-          <a:fontRef idx="minor">
-            <a:schemeClr val="lt1"/>
-          </a:fontRef>
-        </p:style>
-        <p:txBody>
-          <a:bodyPr rtlCol="0" anchor="ctr"/>
-          <a:lstStyle/>
-          <a:p>
-            <a:r>
-              <a:rPr lang="en-US" altLang="zh-CN" dirty="0"/>
-              <a:t>WorksheetFunction Object</a:t>
-            </a:r>
-            <a:endParaRPr lang="zh-CN" altLang="en-US" dirty="0"/>
-          </a:p>
-        </p:txBody>
-      </p:sp>
-      <p:sp>
-        <p:nvSpPr>
-          <p:cNvPr id="28" name="矩形: 圆角 27">
-            <a:extLst>
-              <a:ext uri="{FF2B5EF4-FFF2-40B4-BE49-F238E27FC236}">
-                <a16:creationId xmlns:a16="http://schemas.microsoft.com/office/drawing/2014/main" id="{31F7A470-A961-4FE3-BF63-DD1E14B8ACE4}"/>
-              </a:ext>
-            </a:extLst>
-          </p:cNvPr>
-          <p:cNvSpPr/>
-          <p:nvPr/>
-        </p:nvSpPr>
-        <p:spPr>
-          <a:xfrm>
-            <a:off x="430508" y="5165505"/>
-            <a:ext cx="2857636" cy="447041"/>
-          </a:xfrm>
-          <a:prstGeom prst="roundRect">
-            <a:avLst/>
-          </a:prstGeom>
-          <a:solidFill>
-            <a:schemeClr val="accent3"/>
-          </a:solidFill>
-        </p:spPr>
-        <p:style>
-          <a:lnRef idx="2">
-            <a:schemeClr val="accent1">
-              <a:shade val="50000"/>
-            </a:schemeClr>
-          </a:lnRef>
-          <a:fillRef idx="1">
-            <a:schemeClr val="accent1"/>
-          </a:fillRef>
-          <a:effectRef idx="0">
-            <a:schemeClr val="accent1"/>
-          </a:effectRef>
-          <a:fontRef idx="minor">
-            <a:schemeClr val="lt1"/>
-          </a:fontRef>
-        </p:style>
-        <p:txBody>
-          <a:bodyPr rtlCol="0" anchor="ctr"/>
-          <a:lstStyle/>
-          <a:p>
-            <a:r>
-              <a:rPr lang="en-US" altLang="zh-CN" dirty="0"/>
-              <a:t>Chart Object</a:t>
-            </a:r>
-            <a:endParaRPr lang="zh-CN" altLang="en-US" dirty="0"/>
-          </a:p>
-        </p:txBody>
-      </p:sp>
-      <p:sp>
-        <p:nvSpPr>
-          <p:cNvPr id="29" name="矩形: 圆角 28">
-            <a:extLst>
-              <a:ext uri="{FF2B5EF4-FFF2-40B4-BE49-F238E27FC236}">
-                <a16:creationId xmlns:a16="http://schemas.microsoft.com/office/drawing/2014/main" id="{613ABC0B-75FA-4CE7-B718-ACC3856CB791}"/>
-              </a:ext>
-            </a:extLst>
-          </p:cNvPr>
-          <p:cNvSpPr/>
-          <p:nvPr/>
-        </p:nvSpPr>
-        <p:spPr>
-          <a:xfrm>
-            <a:off x="430507" y="5722665"/>
-            <a:ext cx="2857636" cy="447041"/>
-          </a:xfrm>
-          <a:prstGeom prst="roundRect">
-            <a:avLst/>
-          </a:prstGeom>
-          <a:solidFill>
-            <a:schemeClr val="accent3"/>
-          </a:solidFill>
-        </p:spPr>
-        <p:style>
-          <a:lnRef idx="2">
-            <a:schemeClr val="accent1">
-              <a:shade val="50000"/>
-            </a:schemeClr>
-          </a:lnRef>
-          <a:fillRef idx="1">
-            <a:schemeClr val="accent1"/>
-          </a:fillRef>
-          <a:effectRef idx="0">
-            <a:schemeClr val="accent1"/>
-          </a:effectRef>
-          <a:fontRef idx="minor">
-            <a:schemeClr val="lt1"/>
-          </a:fontRef>
-        </p:style>
-        <p:txBody>
-          <a:bodyPr rtlCol="0" anchor="ctr"/>
-          <a:lstStyle/>
-          <a:p>
-            <a:r>
-              <a:rPr lang="en-US" altLang="zh-CN" dirty="0"/>
-              <a:t>Name Object</a:t>
             </a:r>
             <a:endParaRPr lang="zh-CN" altLang="en-US" dirty="0"/>
           </a:p>
@@ -28105,12 +27694,12 @@
           <a:p>
             <a:pPr algn="ctr"/>
             <a:r>
-              <a:rPr lang="en-US" altLang="zh-CN" sz="3600" dirty="0"/>
+              <a:rPr lang="en-US" altLang="zh-CN" sz="3200" dirty="0"/>
               <a:t>Excel</a:t>
             </a:r>
             <a:r>
-              <a:rPr lang="zh-CN" altLang="en-US" sz="3600" dirty="0"/>
-              <a:t>对象合集解释</a:t>
+              <a:rPr lang="zh-CN" altLang="en-US" sz="3200" dirty="0"/>
+              <a:t>对象的层次结构</a:t>
             </a:r>
           </a:p>
         </p:txBody>
@@ -28155,10 +27744,10 @@
       </p:cxnSp>
       <p:sp>
         <p:nvSpPr>
-          <p:cNvPr id="35" name="矩形: 圆角 34">
+          <p:cNvPr id="34" name="矩形: 圆角 33">
             <a:extLst>
               <a:ext uri="{FF2B5EF4-FFF2-40B4-BE49-F238E27FC236}">
-                <a16:creationId xmlns:a16="http://schemas.microsoft.com/office/drawing/2014/main" id="{702B8B16-13E5-42E0-BBBB-CBAD639ECBC1}"/>
+                <a16:creationId xmlns:a16="http://schemas.microsoft.com/office/drawing/2014/main" id="{90707FC8-4BFD-43A3-9275-5299CF8A9147}"/>
               </a:ext>
             </a:extLst>
           </p:cNvPr>
@@ -28167,52 +27756,51 @@
         </p:nvSpPr>
         <p:spPr>
           <a:xfrm>
-            <a:off x="4134293" y="1265385"/>
-            <a:ext cx="7627196" cy="447041"/>
+            <a:off x="3700012" y="1581097"/>
+            <a:ext cx="1399804" cy="541630"/>
           </a:xfrm>
           <a:prstGeom prst="roundRect">
             <a:avLst/>
           </a:prstGeom>
+          <a:solidFill>
+            <a:schemeClr val="accent3"/>
+          </a:solidFill>
         </p:spPr>
         <p:style>
           <a:lnRef idx="2">
-            <a:schemeClr val="dk1"/>
+            <a:schemeClr val="accent1">
+              <a:shade val="50000"/>
+            </a:schemeClr>
           </a:lnRef>
           <a:fillRef idx="1">
-            <a:schemeClr val="lt1"/>
+            <a:schemeClr val="accent1"/>
           </a:fillRef>
           <a:effectRef idx="0">
-            <a:schemeClr val="dk1"/>
+            <a:schemeClr val="accent1"/>
           </a:effectRef>
           <a:fontRef idx="minor">
-            <a:schemeClr val="dk1"/>
+            <a:schemeClr val="lt1"/>
           </a:fontRef>
         </p:style>
         <p:txBody>
           <a:bodyPr rtlCol="0" anchor="ctr"/>
           <a:lstStyle/>
           <a:p>
-            <a:r>
-              <a:rPr lang="zh-CN" altLang="en-US" dirty="0"/>
-              <a:t>代表整个</a:t>
-            </a:r>
+            <a:pPr algn="ctr"/>
             <a:r>
               <a:rPr lang="en-US" altLang="zh-CN" dirty="0"/>
-              <a:t>Excel</a:t>
+              <a:t>Worksheet Object</a:t>
             </a:r>
-            <a:r>
-              <a:rPr lang="zh-CN" altLang="en-US" dirty="0"/>
-              <a:t>应用程序</a:t>
-            </a:r>
+            <a:endParaRPr lang="zh-CN" altLang="en-US" dirty="0"/>
           </a:p>
         </p:txBody>
       </p:sp>
       <p:sp>
         <p:nvSpPr>
-          <p:cNvPr id="36" name="矩形: 圆角 35">
+          <p:cNvPr id="45" name="矩形: 圆角 44">
             <a:extLst>
               <a:ext uri="{FF2B5EF4-FFF2-40B4-BE49-F238E27FC236}">
-                <a16:creationId xmlns:a16="http://schemas.microsoft.com/office/drawing/2014/main" id="{7FA1728D-AE19-4F5E-9672-5C2EEADA4007}"/>
+                <a16:creationId xmlns:a16="http://schemas.microsoft.com/office/drawing/2014/main" id="{19DE3B6B-9C9E-4FA3-8697-52A9A2761515}"/>
               </a:ext>
             </a:extLst>
           </p:cNvPr>
@@ -28221,52 +27809,51 @@
         </p:nvSpPr>
         <p:spPr>
           <a:xfrm>
-            <a:off x="4134293" y="1822545"/>
-            <a:ext cx="7627196" cy="447041"/>
+            <a:off x="5506473" y="1271459"/>
+            <a:ext cx="1399804" cy="541630"/>
           </a:xfrm>
           <a:prstGeom prst="roundRect">
             <a:avLst/>
           </a:prstGeom>
+          <a:solidFill>
+            <a:schemeClr val="accent3"/>
+          </a:solidFill>
         </p:spPr>
         <p:style>
           <a:lnRef idx="2">
-            <a:schemeClr val="dk1"/>
+            <a:schemeClr val="accent1">
+              <a:shade val="50000"/>
+            </a:schemeClr>
           </a:lnRef>
           <a:fillRef idx="1">
-            <a:schemeClr val="lt1"/>
+            <a:schemeClr val="accent1"/>
           </a:fillRef>
           <a:effectRef idx="0">
-            <a:schemeClr val="dk1"/>
+            <a:schemeClr val="accent1"/>
           </a:effectRef>
           <a:fontRef idx="minor">
-            <a:schemeClr val="dk1"/>
+            <a:schemeClr val="lt1"/>
           </a:fontRef>
         </p:style>
         <p:txBody>
           <a:bodyPr rtlCol="0" anchor="ctr"/>
           <a:lstStyle/>
           <a:p>
-            <a:r>
-              <a:rPr lang="zh-CN" altLang="en-US" dirty="0"/>
-              <a:t>代表</a:t>
-            </a:r>
+            <a:pPr algn="ctr"/>
             <a:r>
               <a:rPr lang="en-US" altLang="zh-CN" dirty="0"/>
-              <a:t>Excel</a:t>
+              <a:t>Rows Object</a:t>
             </a:r>
-            <a:r>
-              <a:rPr lang="zh-CN" altLang="en-US" dirty="0"/>
-              <a:t>工作簿对象</a:t>
-            </a:r>
+            <a:endParaRPr lang="zh-CN" altLang="en-US" dirty="0"/>
           </a:p>
         </p:txBody>
       </p:sp>
       <p:sp>
         <p:nvSpPr>
-          <p:cNvPr id="37" name="矩形: 圆角 36">
+          <p:cNvPr id="46" name="矩形: 圆角 45">
             <a:extLst>
               <a:ext uri="{FF2B5EF4-FFF2-40B4-BE49-F238E27FC236}">
-                <a16:creationId xmlns:a16="http://schemas.microsoft.com/office/drawing/2014/main" id="{B8F7385C-26FF-4B2B-A79F-059AE278C204}"/>
+                <a16:creationId xmlns:a16="http://schemas.microsoft.com/office/drawing/2014/main" id="{F019DDB0-8F12-4C04-AF50-3940C7DBACEA}"/>
               </a:ext>
             </a:extLst>
           </p:cNvPr>
@@ -28275,44 +27862,51 @@
         </p:nvSpPr>
         <p:spPr>
           <a:xfrm>
-            <a:off x="4134293" y="2379705"/>
-            <a:ext cx="7627196" cy="447041"/>
+            <a:off x="5506473" y="1894693"/>
+            <a:ext cx="1399804" cy="541630"/>
           </a:xfrm>
           <a:prstGeom prst="roundRect">
             <a:avLst/>
           </a:prstGeom>
+          <a:solidFill>
+            <a:schemeClr val="accent3"/>
+          </a:solidFill>
         </p:spPr>
         <p:style>
           <a:lnRef idx="2">
-            <a:schemeClr val="dk1"/>
+            <a:schemeClr val="accent1">
+              <a:shade val="50000"/>
+            </a:schemeClr>
           </a:lnRef>
           <a:fillRef idx="1">
-            <a:schemeClr val="lt1"/>
+            <a:schemeClr val="accent1"/>
           </a:fillRef>
           <a:effectRef idx="0">
-            <a:schemeClr val="dk1"/>
+            <a:schemeClr val="accent1"/>
           </a:effectRef>
           <a:fontRef idx="minor">
-            <a:schemeClr val="dk1"/>
+            <a:schemeClr val="lt1"/>
           </a:fontRef>
         </p:style>
         <p:txBody>
           <a:bodyPr rtlCol="0" anchor="ctr"/>
           <a:lstStyle/>
           <a:p>
+            <a:pPr algn="ctr"/>
             <a:r>
-              <a:rPr lang="zh-CN" altLang="en-US" dirty="0"/>
-              <a:t>代表工作表对象</a:t>
+              <a:rPr lang="en-US" altLang="zh-CN" dirty="0"/>
+              <a:t>Columns Object</a:t>
             </a:r>
+            <a:endParaRPr lang="zh-CN" altLang="en-US" dirty="0"/>
           </a:p>
         </p:txBody>
       </p:sp>
       <p:sp>
         <p:nvSpPr>
-          <p:cNvPr id="38" name="矩形: 圆角 37">
+          <p:cNvPr id="47" name="矩形: 圆角 46">
             <a:extLst>
               <a:ext uri="{FF2B5EF4-FFF2-40B4-BE49-F238E27FC236}">
-                <a16:creationId xmlns:a16="http://schemas.microsoft.com/office/drawing/2014/main" id="{CC34B777-42A5-451C-9C3A-7C03A3F9FCE1}"/>
+                <a16:creationId xmlns:a16="http://schemas.microsoft.com/office/drawing/2014/main" id="{E7E5730D-96BF-4B78-AD65-C987819F0681}"/>
               </a:ext>
             </a:extLst>
           </p:cNvPr>
@@ -28321,44 +27915,51 @@
         </p:nvSpPr>
         <p:spPr>
           <a:xfrm>
-            <a:off x="4134293" y="2936865"/>
-            <a:ext cx="7627196" cy="447041"/>
+            <a:off x="7357750" y="1579579"/>
+            <a:ext cx="1399804" cy="541630"/>
           </a:xfrm>
           <a:prstGeom prst="roundRect">
             <a:avLst/>
           </a:prstGeom>
+          <a:solidFill>
+            <a:schemeClr val="accent3"/>
+          </a:solidFill>
         </p:spPr>
         <p:style>
           <a:lnRef idx="2">
-            <a:schemeClr val="dk1"/>
+            <a:schemeClr val="accent1">
+              <a:shade val="50000"/>
+            </a:schemeClr>
           </a:lnRef>
           <a:fillRef idx="1">
-            <a:schemeClr val="lt1"/>
+            <a:schemeClr val="accent1"/>
           </a:fillRef>
           <a:effectRef idx="0">
-            <a:schemeClr val="dk1"/>
+            <a:schemeClr val="accent1"/>
           </a:effectRef>
           <a:fontRef idx="minor">
-            <a:schemeClr val="dk1"/>
+            <a:schemeClr val="lt1"/>
           </a:fontRef>
         </p:style>
         <p:txBody>
           <a:bodyPr rtlCol="0" anchor="ctr"/>
           <a:lstStyle/>
           <a:p>
+            <a:pPr algn="ctr"/>
             <a:r>
-              <a:rPr lang="zh-CN" altLang="en-US" dirty="0"/>
-              <a:t>代表窗口对象</a:t>
+              <a:rPr lang="en-US" altLang="zh-CN" dirty="0"/>
+              <a:t>Range Object</a:t>
             </a:r>
+            <a:endParaRPr lang="zh-CN" altLang="en-US" dirty="0"/>
           </a:p>
         </p:txBody>
       </p:sp>
       <p:sp>
         <p:nvSpPr>
-          <p:cNvPr id="39" name="矩形: 圆角 38">
+          <p:cNvPr id="48" name="矩形: 圆角 47">
             <a:extLst>
               <a:ext uri="{FF2B5EF4-FFF2-40B4-BE49-F238E27FC236}">
-                <a16:creationId xmlns:a16="http://schemas.microsoft.com/office/drawing/2014/main" id="{95C92B6F-4056-4394-8056-E5FEEE3D9E57}"/>
+                <a16:creationId xmlns:a16="http://schemas.microsoft.com/office/drawing/2014/main" id="{BB8BC3A8-AF13-4FF0-80BD-7E6564560804}"/>
               </a:ext>
             </a:extLst>
           </p:cNvPr>
@@ -28367,44 +27968,51 @@
         </p:nvSpPr>
         <p:spPr>
           <a:xfrm>
-            <a:off x="4134292" y="3494025"/>
-            <a:ext cx="7627196" cy="447041"/>
+            <a:off x="9128229" y="1585335"/>
+            <a:ext cx="1399804" cy="541630"/>
           </a:xfrm>
           <a:prstGeom prst="roundRect">
             <a:avLst/>
           </a:prstGeom>
+          <a:solidFill>
+            <a:schemeClr val="accent3"/>
+          </a:solidFill>
         </p:spPr>
         <p:style>
           <a:lnRef idx="2">
-            <a:schemeClr val="dk1"/>
+            <a:schemeClr val="accent1">
+              <a:shade val="50000"/>
+            </a:schemeClr>
           </a:lnRef>
           <a:fillRef idx="1">
-            <a:schemeClr val="lt1"/>
+            <a:schemeClr val="accent1"/>
           </a:fillRef>
           <a:effectRef idx="0">
-            <a:schemeClr val="dk1"/>
+            <a:schemeClr val="accent1"/>
           </a:effectRef>
           <a:fontRef idx="minor">
-            <a:schemeClr val="dk1"/>
+            <a:schemeClr val="lt1"/>
           </a:fontRef>
         </p:style>
         <p:txBody>
           <a:bodyPr rtlCol="0" anchor="ctr"/>
           <a:lstStyle/>
           <a:p>
+            <a:pPr algn="ctr"/>
             <a:r>
-              <a:rPr lang="zh-CN" altLang="en-US" dirty="0"/>
-              <a:t>代表单元格对象</a:t>
+              <a:rPr lang="en-US" altLang="zh-CN" dirty="0"/>
+              <a:t>Comment Object</a:t>
             </a:r>
+            <a:endParaRPr lang="zh-CN" altLang="en-US" dirty="0"/>
           </a:p>
         </p:txBody>
       </p:sp>
       <p:sp>
         <p:nvSpPr>
-          <p:cNvPr id="40" name="矩形: 圆角 39">
+          <p:cNvPr id="2" name="箭头: 右 1">
             <a:extLst>
               <a:ext uri="{FF2B5EF4-FFF2-40B4-BE49-F238E27FC236}">
-                <a16:creationId xmlns:a16="http://schemas.microsoft.com/office/drawing/2014/main" id="{742BDCB8-9333-40BB-863A-9EE61F9EAE5F}"/>
+                <a16:creationId xmlns:a16="http://schemas.microsoft.com/office/drawing/2014/main" id="{F6649BEE-418A-4F98-8A60-68DACA6787F8}"/>
               </a:ext>
             </a:extLst>
           </p:cNvPr>
@@ -28413,52 +28021,44 @@
         </p:nvSpPr>
         <p:spPr>
           <a:xfrm>
-            <a:off x="4134289" y="6279821"/>
-            <a:ext cx="7627196" cy="447041"/>
+            <a:off x="1565031" y="1866824"/>
+            <a:ext cx="263769" cy="177333"/>
           </a:xfrm>
-          <a:prstGeom prst="roundRect">
+          <a:prstGeom prst="rightArrow">
             <a:avLst/>
           </a:prstGeom>
         </p:spPr>
         <p:style>
           <a:lnRef idx="2">
-            <a:schemeClr val="dk1"/>
+            <a:schemeClr val="accent1">
+              <a:shade val="50000"/>
+            </a:schemeClr>
           </a:lnRef>
           <a:fillRef idx="1">
-            <a:schemeClr val="lt1"/>
+            <a:schemeClr val="accent1"/>
           </a:fillRef>
           <a:effectRef idx="0">
-            <a:schemeClr val="dk1"/>
+            <a:schemeClr val="accent1"/>
           </a:effectRef>
           <a:fontRef idx="minor">
-            <a:schemeClr val="dk1"/>
+            <a:schemeClr val="lt1"/>
           </a:fontRef>
         </p:style>
         <p:txBody>
           <a:bodyPr rtlCol="0" anchor="ctr"/>
           <a:lstStyle/>
           <a:p>
-            <a:r>
-              <a:rPr lang="zh-CN" altLang="en-US" dirty="0"/>
-              <a:t>代表嵌入到工作表中的图形对象，包括自选图形、</a:t>
-            </a:r>
-            <a:r>
-              <a:rPr lang="en-US" altLang="zh-CN" dirty="0"/>
-              <a:t>OLE</a:t>
-            </a:r>
-            <a:r>
-              <a:rPr lang="zh-CN" altLang="en-US" dirty="0"/>
-              <a:t>对象、图片、图表、艺术字、文本框、批注等。</a:t>
-            </a:r>
+            <a:pPr algn="ctr"/>
+            <a:endParaRPr lang="zh-CN" altLang="en-US"/>
           </a:p>
         </p:txBody>
       </p:sp>
       <p:sp>
         <p:nvSpPr>
-          <p:cNvPr id="41" name="矩形: 圆角 40">
+          <p:cNvPr id="49" name="箭头: 右 48">
             <a:extLst>
               <a:ext uri="{FF2B5EF4-FFF2-40B4-BE49-F238E27FC236}">
-                <a16:creationId xmlns:a16="http://schemas.microsoft.com/office/drawing/2014/main" id="{C9C24F40-593C-4E52-A6B6-6A69861F2FE7}"/>
+                <a16:creationId xmlns:a16="http://schemas.microsoft.com/office/drawing/2014/main" id="{42FA43D6-265B-4AE1-8CDB-9FFE6931D0E8}"/>
               </a:ext>
             </a:extLst>
           </p:cNvPr>
@@ -28467,44 +28067,44 @@
         </p:nvSpPr>
         <p:spPr>
           <a:xfrm>
-            <a:off x="4134291" y="4051185"/>
-            <a:ext cx="7627196" cy="447041"/>
+            <a:off x="3387207" y="1866824"/>
+            <a:ext cx="263769" cy="177333"/>
           </a:xfrm>
-          <a:prstGeom prst="roundRect">
+          <a:prstGeom prst="rightArrow">
             <a:avLst/>
           </a:prstGeom>
         </p:spPr>
         <p:style>
           <a:lnRef idx="2">
-            <a:schemeClr val="dk1"/>
+            <a:schemeClr val="accent1">
+              <a:shade val="50000"/>
+            </a:schemeClr>
           </a:lnRef>
           <a:fillRef idx="1">
-            <a:schemeClr val="lt1"/>
+            <a:schemeClr val="accent1"/>
           </a:fillRef>
           <a:effectRef idx="0">
-            <a:schemeClr val="dk1"/>
+            <a:schemeClr val="accent1"/>
           </a:effectRef>
           <a:fontRef idx="minor">
-            <a:schemeClr val="dk1"/>
+            <a:schemeClr val="lt1"/>
           </a:fontRef>
         </p:style>
         <p:txBody>
           <a:bodyPr rtlCol="0" anchor="ctr"/>
           <a:lstStyle/>
           <a:p>
-            <a:r>
-              <a:rPr lang="zh-CN" altLang="en-US" dirty="0"/>
-              <a:t>代表单元格的批注对象</a:t>
-            </a:r>
+            <a:pPr algn="ctr"/>
+            <a:endParaRPr lang="zh-CN" altLang="en-US"/>
           </a:p>
         </p:txBody>
       </p:sp>
       <p:sp>
         <p:nvSpPr>
-          <p:cNvPr id="42" name="矩形: 圆角 41">
+          <p:cNvPr id="50" name="箭头: 右 49">
             <a:extLst>
               <a:ext uri="{FF2B5EF4-FFF2-40B4-BE49-F238E27FC236}">
-                <a16:creationId xmlns:a16="http://schemas.microsoft.com/office/drawing/2014/main" id="{D4871BAA-C857-4DA1-B8AC-3EB869F7BDB2}"/>
+                <a16:creationId xmlns:a16="http://schemas.microsoft.com/office/drawing/2014/main" id="{E001425F-27BC-4243-A510-175DF7A80951}"/>
               </a:ext>
             </a:extLst>
           </p:cNvPr>
@@ -28513,44 +28113,44 @@
         </p:nvSpPr>
         <p:spPr>
           <a:xfrm>
-            <a:off x="4134292" y="4608345"/>
-            <a:ext cx="7627196" cy="447041"/>
+            <a:off x="5193668" y="1851912"/>
+            <a:ext cx="263769" cy="177333"/>
           </a:xfrm>
-          <a:prstGeom prst="roundRect">
+          <a:prstGeom prst="rightArrow">
             <a:avLst/>
           </a:prstGeom>
         </p:spPr>
         <p:style>
           <a:lnRef idx="2">
-            <a:schemeClr val="dk1"/>
+            <a:schemeClr val="accent1">
+              <a:shade val="50000"/>
+            </a:schemeClr>
           </a:lnRef>
           <a:fillRef idx="1">
-            <a:schemeClr val="lt1"/>
+            <a:schemeClr val="accent1"/>
           </a:fillRef>
           <a:effectRef idx="0">
-            <a:schemeClr val="dk1"/>
+            <a:schemeClr val="accent1"/>
           </a:effectRef>
           <a:fontRef idx="minor">
-            <a:schemeClr val="dk1"/>
+            <a:schemeClr val="lt1"/>
           </a:fontRef>
         </p:style>
         <p:txBody>
           <a:bodyPr rtlCol="0" anchor="ctr"/>
           <a:lstStyle/>
           <a:p>
-            <a:r>
-              <a:rPr lang="zh-CN" altLang="en-US" dirty="0"/>
-              <a:t>代表工作表函数对象</a:t>
-            </a:r>
+            <a:pPr algn="ctr"/>
+            <a:endParaRPr lang="zh-CN" altLang="en-US"/>
           </a:p>
         </p:txBody>
       </p:sp>
       <p:sp>
         <p:nvSpPr>
-          <p:cNvPr id="43" name="矩形: 圆角 42">
+          <p:cNvPr id="51" name="箭头: 右 50">
             <a:extLst>
               <a:ext uri="{FF2B5EF4-FFF2-40B4-BE49-F238E27FC236}">
-                <a16:creationId xmlns:a16="http://schemas.microsoft.com/office/drawing/2014/main" id="{35B4EB75-8157-4CDC-907A-672FC187A4F2}"/>
+                <a16:creationId xmlns:a16="http://schemas.microsoft.com/office/drawing/2014/main" id="{860BE557-DE8D-43FF-9798-FD3BFB4E7196}"/>
               </a:ext>
             </a:extLst>
           </p:cNvPr>
@@ -28559,44 +28159,44 @@
         </p:nvSpPr>
         <p:spPr>
           <a:xfrm>
-            <a:off x="4134290" y="5165505"/>
-            <a:ext cx="7627196" cy="447041"/>
+            <a:off x="7000129" y="1860462"/>
+            <a:ext cx="263769" cy="177333"/>
           </a:xfrm>
-          <a:prstGeom prst="roundRect">
+          <a:prstGeom prst="rightArrow">
             <a:avLst/>
           </a:prstGeom>
         </p:spPr>
         <p:style>
           <a:lnRef idx="2">
-            <a:schemeClr val="dk1"/>
+            <a:schemeClr val="accent1">
+              <a:shade val="50000"/>
+            </a:schemeClr>
           </a:lnRef>
           <a:fillRef idx="1">
-            <a:schemeClr val="lt1"/>
+            <a:schemeClr val="accent1"/>
           </a:fillRef>
           <a:effectRef idx="0">
-            <a:schemeClr val="dk1"/>
+            <a:schemeClr val="accent1"/>
           </a:effectRef>
           <a:fontRef idx="minor">
-            <a:schemeClr val="dk1"/>
+            <a:schemeClr val="lt1"/>
           </a:fontRef>
         </p:style>
         <p:txBody>
           <a:bodyPr rtlCol="0" anchor="ctr"/>
           <a:lstStyle/>
           <a:p>
-            <a:r>
-              <a:rPr lang="zh-CN" altLang="en-US" dirty="0"/>
-              <a:t>代表图表对象</a:t>
-            </a:r>
+            <a:pPr algn="ctr"/>
+            <a:endParaRPr lang="zh-CN" altLang="en-US"/>
           </a:p>
         </p:txBody>
       </p:sp>
       <p:sp>
         <p:nvSpPr>
-          <p:cNvPr id="44" name="矩形: 圆角 43">
+          <p:cNvPr id="52" name="箭头: 右 51">
             <a:extLst>
               <a:ext uri="{FF2B5EF4-FFF2-40B4-BE49-F238E27FC236}">
-                <a16:creationId xmlns:a16="http://schemas.microsoft.com/office/drawing/2014/main" id="{61BB5799-0D0E-48F8-9FF7-C2205CE7ECFB}"/>
+                <a16:creationId xmlns:a16="http://schemas.microsoft.com/office/drawing/2014/main" id="{2C0521A5-3CEF-4A0B-88ED-E192574C3A16}"/>
               </a:ext>
             </a:extLst>
           </p:cNvPr>
@@ -28605,35 +28205,35 @@
         </p:nvSpPr>
         <p:spPr>
           <a:xfrm>
-            <a:off x="4134289" y="5722665"/>
-            <a:ext cx="7627196" cy="447041"/>
+            <a:off x="8811007" y="1819359"/>
+            <a:ext cx="263769" cy="177333"/>
           </a:xfrm>
-          <a:prstGeom prst="roundRect">
+          <a:prstGeom prst="rightArrow">
             <a:avLst/>
           </a:prstGeom>
         </p:spPr>
         <p:style>
           <a:lnRef idx="2">
-            <a:schemeClr val="dk1"/>
+            <a:schemeClr val="accent1">
+              <a:shade val="50000"/>
+            </a:schemeClr>
           </a:lnRef>
           <a:fillRef idx="1">
-            <a:schemeClr val="lt1"/>
+            <a:schemeClr val="accent1"/>
           </a:fillRef>
           <a:effectRef idx="0">
-            <a:schemeClr val="dk1"/>
+            <a:schemeClr val="accent1"/>
           </a:effectRef>
           <a:fontRef idx="minor">
-            <a:schemeClr val="dk1"/>
+            <a:schemeClr val="lt1"/>
           </a:fontRef>
         </p:style>
         <p:txBody>
           <a:bodyPr rtlCol="0" anchor="ctr"/>
           <a:lstStyle/>
           <a:p>
-            <a:r>
-              <a:rPr lang="zh-CN" altLang="en-US" dirty="0"/>
-              <a:t>代表名称对象，可以是内置名称也可以是自定义名称</a:t>
-            </a:r>
+            <a:pPr algn="ctr"/>
+            <a:endParaRPr lang="zh-CN" altLang="en-US"/>
           </a:p>
         </p:txBody>
       </p:sp>
@@ -28943,4 +28543,24 @@
     </a:ext>
   </a:extLst>
 </a:theme>
+</file>
+
+<file path=ppt/webextensions/taskpanes.xml><?xml version="1.0" encoding="utf-8"?>
+<wetp:taskpanes xmlns:wetp="http://schemas.microsoft.com/office/webextensions/taskpanes/2010/11">
+  <wetp:taskpane dockstate="right" visibility="0" width="350" row="10">
+    <wetp:webextensionref xmlns:r="http://schemas.openxmlformats.org/officeDocument/2006/relationships" r:id="rId1"/>
+  </wetp:taskpane>
+</wetp:taskpanes>
+</file>
+
+<file path=ppt/webextensions/webextension1.xml><?xml version="1.0" encoding="utf-8"?>
+<we:webextension xmlns:we="http://schemas.microsoft.com/office/webextensions/webextension/2010/11" id="{F4EF2121-6574-458A-8A50-7DD371B36C6E}">
+  <we:reference id="wa200000113" version="1.0.0.0" store="zh-CN" storeType="OMEX"/>
+  <we:alternateReferences>
+    <we:reference id="wa200000113" version="1.0.0.0" store="WA200000113" storeType="OMEX"/>
+  </we:alternateReferences>
+  <we:properties/>
+  <we:bindings/>
+  <we:snapshot xmlns:r="http://schemas.openxmlformats.org/officeDocument/2006/relationships"/>
+</we:webextension>
 </file>